--- a/divulgacao/ApresentacaoTIS - Agendamento de consultas médicas.pptx
+++ b/divulgacao/ApresentacaoTIS - Agendamento de consultas médicas.pptx
@@ -135,7 +135,7 @@
   <p1510:revLst>
     <p1510:client id="{1B0027DD-1FEC-7F77-B666-D67942CA3C85}" v="347" dt="2021-06-25T13:18:57.232"/>
     <p1510:client id="{8E4E1E29-9580-4450-9906-CE68ACF45FE8}" v="201" dt="2021-06-25T00:59:21.638"/>
-    <p1510:client id="{B6A943D4-487D-5066-72A6-D309E5D4F084}" v="14" dt="2021-06-25T13:30:54.014"/>
+    <p1510:client id="{B6A943D4-487D-5066-72A6-D309E5D4F084}" v="90" dt="2021-06-25T13:37:35.446"/>
     <p1510:client id="{FD98679C-084E-45FB-A9B5-D0B1CA515911}" v="628" dt="2021-06-24T21:52:48.959"/>
   </p1510:revLst>
 </p1510:revInfo>
@@ -21809,7 +21809,12 @@
             <p:ph idx="1"/>
           </p:nvPr>
         </p:nvSpPr>
-        <p:spPr/>
+        <p:spPr>
+          <a:xfrm>
+            <a:off x="885583" y="2258291"/>
+            <a:ext cx="10163418" cy="4023360"/>
+          </a:xfrm>
+        </p:spPr>
         <p:txBody>
           <a:bodyPr vert="horz" lIns="45720" tIns="45720" rIns="45720" bIns="45720" rtlCol="0" anchor="t">
             <a:normAutofit/>
@@ -21884,8 +21889,9 @@
                 <a:ea typeface="+mn-lt"/>
                 <a:cs typeface="+mn-lt"/>
               </a:rPr>
-              <a:t> Identificar as funcionalidades utilizadas pelo médico e as que podem ser descartadas;</a:t>
+              <a:t> Identificar as insatisfações com o sistema.</a:t>
             </a:r>
+            <a:endParaRPr lang="pt-BR" dirty="0"/>
           </a:p>
           <a:p>
             <a:pPr algn="just">
@@ -21894,10 +21900,9 @@
             </a:pPr>
             <a:r>
               <a:rPr lang="pt-BR" dirty="0">
-                <a:ea typeface="+mn-lt"/>
-                <a:cs typeface="+mn-lt"/>
+                <a:latin typeface="TW Cen MT"/>
               </a:rPr>
-              <a:t> Identificar as insatisfações com o sistema.</a:t>
+              <a:t> Identificar as funcionalidades utilizadas pelo médico e as que podem ser descartadas;</a:t>
             </a:r>
             <a:endParaRPr lang="pt-BR" dirty="0"/>
           </a:p>
